--- a/latences_2.pptx
+++ b/latences_2.pptx
@@ -5,12 +5,15 @@
     <p:sldMasterId id="2147483648" r:id="rId4"/>
   </p:sldMasterIdLst>
   <p:notesMasterIdLst>
-    <p:notesMasterId r:id="rId8"/>
+    <p:notesMasterId r:id="rId11"/>
   </p:notesMasterIdLst>
   <p:sldIdLst>
-    <p:sldId id="257" r:id="rId5"/>
-    <p:sldId id="258" r:id="rId6"/>
-    <p:sldId id="259" r:id="rId7"/>
+    <p:sldId id="262" r:id="rId5"/>
+    <p:sldId id="257" r:id="rId6"/>
+    <p:sldId id="258" r:id="rId7"/>
+    <p:sldId id="259" r:id="rId8"/>
+    <p:sldId id="260" r:id="rId9"/>
+    <p:sldId id="261" r:id="rId10"/>
   </p:sldIdLst>
   <p:sldSz cx="12192000" cy="6858000"/>
   <p:notesSz cx="6858000" cy="9144000"/>
@@ -207,7 +210,7 @@
           <a:p>
             <a:fld id="{079D211E-D5E1-43F3-9A3A-6AEAE62E7923}" type="datetimeFigureOut">
               <a:rPr lang="de-DE" smtClean="0"/>
-              <a:t>13.07.2022</a:t>
+              <a:t>18.07.2022</a:t>
             </a:fld>
             <a:endParaRPr lang="de-DE"/>
           </a:p>
@@ -1018,7 +1021,7 @@
           <a:p>
             <a:fld id="{7A1C349F-59F8-4C5E-BE5B-46F836144213}" type="slidenum">
               <a:rPr lang="de-DE" smtClean="0"/>
-              <a:t>1</a:t>
+              <a:t>2</a:t>
             </a:fld>
             <a:endParaRPr lang="de-DE"/>
           </a:p>
@@ -1302,7 +1305,7 @@
           <a:p>
             <a:fld id="{7A1C349F-59F8-4C5E-BE5B-46F836144213}" type="slidenum">
               <a:rPr lang="de-DE" smtClean="0"/>
-              <a:t>2</a:t>
+              <a:t>3</a:t>
             </a:fld>
             <a:endParaRPr lang="de-DE"/>
           </a:p>
@@ -1515,7 +1518,7 @@
           <a:p>
             <a:fld id="{7A1C349F-59F8-4C5E-BE5B-46F836144213}" type="slidenum">
               <a:rPr lang="de-DE" smtClean="0"/>
-              <a:t>3</a:t>
+              <a:t>4</a:t>
             </a:fld>
             <a:endParaRPr lang="de-DE"/>
           </a:p>
@@ -1525,6 +1528,565 @@
     <p:extLst>
       <p:ext uri="{BB962C8B-B14F-4D97-AF65-F5344CB8AC3E}">
         <p14:creationId xmlns:p14="http://schemas.microsoft.com/office/powerpoint/2010/main" val="1329232056"/>
+      </p:ext>
+    </p:extLst>
+  </p:cSld>
+  <p:clrMapOvr>
+    <a:masterClrMapping/>
+  </p:clrMapOvr>
+</p:notes>
+</file>
+
+<file path=ppt/notesSlides/notesSlide4.xml><?xml version="1.0" encoding="utf-8"?>
+<p:notes xmlns:a="http://schemas.openxmlformats.org/drawingml/2006/main" xmlns:r="http://schemas.openxmlformats.org/officeDocument/2006/relationships" xmlns:p="http://schemas.openxmlformats.org/presentationml/2006/main">
+  <p:cSld>
+    <p:spTree>
+      <p:nvGrpSpPr>
+        <p:cNvPr id="1" name=""/>
+        <p:cNvGrpSpPr/>
+        <p:nvPr/>
+      </p:nvGrpSpPr>
+      <p:grpSpPr>
+        <a:xfrm>
+          <a:off x="0" y="0"/>
+          <a:ext cx="0" cy="0"/>
+          <a:chOff x="0" y="0"/>
+          <a:chExt cx="0" cy="0"/>
+        </a:xfrm>
+      </p:grpSpPr>
+      <p:sp>
+        <p:nvSpPr>
+          <p:cNvPr id="2" name="Folienbildplatzhalter 1"/>
+          <p:cNvSpPr>
+            <a:spLocks noGrp="1" noRot="1" noChangeAspect="1"/>
+          </p:cNvSpPr>
+          <p:nvPr>
+            <p:ph type="sldImg"/>
+          </p:nvPr>
+        </p:nvSpPr>
+        <p:spPr/>
+      </p:sp>
+      <p:sp>
+        <p:nvSpPr>
+          <p:cNvPr id="3" name="Notizenplatzhalter 2"/>
+          <p:cNvSpPr>
+            <a:spLocks noGrp="1"/>
+          </p:cNvSpPr>
+          <p:nvPr>
+            <p:ph type="body" idx="1"/>
+          </p:nvPr>
+        </p:nvSpPr>
+        <p:spPr/>
+        <p:txBody>
+          <a:bodyPr/>
+          <a:lstStyle/>
+          <a:p>
+            <a:r>
+              <a:rPr lang="de-DE" dirty="0" err="1"/>
+              <a:t>py</a:t>
+            </a:r>
+            <a:r>
+              <a:rPr lang="de-DE" dirty="0"/>
+              <a:t> train_latences_dev.py --</a:t>
+            </a:r>
+            <a:r>
+              <a:rPr lang="de-DE" dirty="0" err="1"/>
+              <a:t>batch_size</a:t>
+            </a:r>
+            <a:r>
+              <a:rPr lang="de-DE" dirty="0"/>
+              <a:t> 56 --</a:t>
+            </a:r>
+            <a:r>
+              <a:rPr lang="de-DE" dirty="0" err="1"/>
+              <a:t>feature_maps_selected</a:t>
+            </a:r>
+            <a:r>
+              <a:rPr lang="de-DE" dirty="0"/>
+              <a:t> 1 2 3 4 --</a:t>
+            </a:r>
+            <a:r>
+              <a:rPr lang="de-DE" dirty="0" err="1"/>
+              <a:t>file_name_latences</a:t>
+            </a:r>
+            <a:r>
+              <a:rPr lang="de-DE" dirty="0"/>
+              <a:t> "1234.csv"</a:t>
+            </a:r>
+          </a:p>
+          <a:p>
+            <a:r>
+              <a:rPr lang="de-DE" dirty="0" err="1"/>
+              <a:t>py</a:t>
+            </a:r>
+            <a:r>
+              <a:rPr lang="de-DE" dirty="0"/>
+              <a:t> train_latences_dev.py --</a:t>
+            </a:r>
+            <a:r>
+              <a:rPr lang="de-DE" dirty="0" err="1"/>
+              <a:t>batch_size</a:t>
+            </a:r>
+            <a:r>
+              <a:rPr lang="de-DE" dirty="0"/>
+              <a:t> 56 --</a:t>
+            </a:r>
+            <a:r>
+              <a:rPr lang="de-DE" dirty="0" err="1"/>
+              <a:t>feature_maps_selected</a:t>
+            </a:r>
+            <a:r>
+              <a:rPr lang="de-DE" dirty="0"/>
+              <a:t> 1 2 3 --</a:t>
+            </a:r>
+            <a:r>
+              <a:rPr lang="de-DE" dirty="0" err="1"/>
+              <a:t>file_name_latences</a:t>
+            </a:r>
+            <a:r>
+              <a:rPr lang="de-DE" dirty="0"/>
+              <a:t> "123.csv"</a:t>
+            </a:r>
+          </a:p>
+          <a:p>
+            <a:r>
+              <a:rPr lang="de-DE" dirty="0" err="1"/>
+              <a:t>py</a:t>
+            </a:r>
+            <a:r>
+              <a:rPr lang="de-DE" dirty="0"/>
+              <a:t> train_latences_dev.py --</a:t>
+            </a:r>
+            <a:r>
+              <a:rPr lang="de-DE" dirty="0" err="1"/>
+              <a:t>batch_size</a:t>
+            </a:r>
+            <a:r>
+              <a:rPr lang="de-DE" dirty="0"/>
+              <a:t> 56 --</a:t>
+            </a:r>
+            <a:r>
+              <a:rPr lang="de-DE" dirty="0" err="1"/>
+              <a:t>feature_maps_selected</a:t>
+            </a:r>
+            <a:r>
+              <a:rPr lang="de-DE" dirty="0"/>
+              <a:t> 2 3 4 --</a:t>
+            </a:r>
+            <a:r>
+              <a:rPr lang="de-DE" dirty="0" err="1"/>
+              <a:t>file_name_latences</a:t>
+            </a:r>
+            <a:r>
+              <a:rPr lang="de-DE" dirty="0"/>
+              <a:t> "234.csv"</a:t>
+            </a:r>
+          </a:p>
+          <a:p>
+            <a:r>
+              <a:rPr lang="de-DE" dirty="0" err="1"/>
+              <a:t>py</a:t>
+            </a:r>
+            <a:r>
+              <a:rPr lang="de-DE" dirty="0"/>
+              <a:t> train_latences_dev.py --</a:t>
+            </a:r>
+            <a:r>
+              <a:rPr lang="de-DE" dirty="0" err="1"/>
+              <a:t>batch_size</a:t>
+            </a:r>
+            <a:r>
+              <a:rPr lang="de-DE" dirty="0"/>
+              <a:t> 56 --</a:t>
+            </a:r>
+            <a:r>
+              <a:rPr lang="de-DE" dirty="0" err="1"/>
+              <a:t>feature_maps_selected</a:t>
+            </a:r>
+            <a:r>
+              <a:rPr lang="de-DE" dirty="0"/>
+              <a:t> 2 3 --</a:t>
+            </a:r>
+            <a:r>
+              <a:rPr lang="de-DE" dirty="0" err="1"/>
+              <a:t>file_name_latences</a:t>
+            </a:r>
+            <a:r>
+              <a:rPr lang="de-DE" dirty="0"/>
+              <a:t> "23.csv"</a:t>
+            </a:r>
+          </a:p>
+          <a:p>
+            <a:r>
+              <a:rPr lang="de-DE" dirty="0" err="1"/>
+              <a:t>py</a:t>
+            </a:r>
+            <a:r>
+              <a:rPr lang="de-DE" dirty="0"/>
+              <a:t> train_latences_dev.py --</a:t>
+            </a:r>
+            <a:r>
+              <a:rPr lang="de-DE" dirty="0" err="1"/>
+              <a:t>batch_size</a:t>
+            </a:r>
+            <a:r>
+              <a:rPr lang="de-DE" dirty="0"/>
+              <a:t> 56 --</a:t>
+            </a:r>
+            <a:r>
+              <a:rPr lang="de-DE" dirty="0" err="1"/>
+              <a:t>feature_maps_selected</a:t>
+            </a:r>
+            <a:r>
+              <a:rPr lang="de-DE" dirty="0"/>
+              <a:t> 1 2 --</a:t>
+            </a:r>
+            <a:r>
+              <a:rPr lang="de-DE" dirty="0" err="1"/>
+              <a:t>file_name_latences</a:t>
+            </a:r>
+            <a:r>
+              <a:rPr lang="de-DE" dirty="0"/>
+              <a:t> "12.csv"</a:t>
+            </a:r>
+          </a:p>
+          <a:p>
+            <a:r>
+              <a:rPr lang="de-DE" dirty="0" err="1"/>
+              <a:t>py</a:t>
+            </a:r>
+            <a:r>
+              <a:rPr lang="de-DE" dirty="0"/>
+              <a:t> train_latences_dev.py --</a:t>
+            </a:r>
+            <a:r>
+              <a:rPr lang="de-DE" dirty="0" err="1"/>
+              <a:t>batch_size</a:t>
+            </a:r>
+            <a:r>
+              <a:rPr lang="de-DE" dirty="0"/>
+              <a:t> 56 --</a:t>
+            </a:r>
+            <a:r>
+              <a:rPr lang="de-DE" dirty="0" err="1"/>
+              <a:t>feature_maps_selected</a:t>
+            </a:r>
+            <a:r>
+              <a:rPr lang="de-DE" dirty="0"/>
+              <a:t> 1 3 --</a:t>
+            </a:r>
+            <a:r>
+              <a:rPr lang="de-DE" dirty="0" err="1"/>
+              <a:t>file_name_latences</a:t>
+            </a:r>
+            <a:r>
+              <a:rPr lang="de-DE" dirty="0"/>
+              <a:t> "13.csv"</a:t>
+            </a:r>
+          </a:p>
+          <a:p>
+            <a:r>
+              <a:rPr lang="de-DE" dirty="0" err="1"/>
+              <a:t>py</a:t>
+            </a:r>
+            <a:r>
+              <a:rPr lang="de-DE" dirty="0"/>
+              <a:t> train_latences_dev.py --</a:t>
+            </a:r>
+            <a:r>
+              <a:rPr lang="de-DE" dirty="0" err="1"/>
+              <a:t>batch_size</a:t>
+            </a:r>
+            <a:r>
+              <a:rPr lang="de-DE" dirty="0"/>
+              <a:t> 56 --</a:t>
+            </a:r>
+            <a:r>
+              <a:rPr lang="de-DE" dirty="0" err="1"/>
+              <a:t>feature_maps_selected</a:t>
+            </a:r>
+            <a:r>
+              <a:rPr lang="de-DE" dirty="0"/>
+              <a:t> 1 4 --</a:t>
+            </a:r>
+            <a:r>
+              <a:rPr lang="de-DE" dirty="0" err="1"/>
+              <a:t>file_name_latences</a:t>
+            </a:r>
+            <a:r>
+              <a:rPr lang="de-DE" dirty="0"/>
+              <a:t> "14.csv"</a:t>
+            </a:r>
+          </a:p>
+          <a:p>
+            <a:r>
+              <a:rPr lang="de-DE" dirty="0" err="1"/>
+              <a:t>py</a:t>
+            </a:r>
+            <a:r>
+              <a:rPr lang="de-DE" dirty="0"/>
+              <a:t> train_latences_dev.py --</a:t>
+            </a:r>
+            <a:r>
+              <a:rPr lang="de-DE" dirty="0" err="1"/>
+              <a:t>batch_size</a:t>
+            </a:r>
+            <a:r>
+              <a:rPr lang="de-DE" dirty="0"/>
+              <a:t> 56 --</a:t>
+            </a:r>
+            <a:r>
+              <a:rPr lang="de-DE" dirty="0" err="1"/>
+              <a:t>feature_maps_selected</a:t>
+            </a:r>
+            <a:r>
+              <a:rPr lang="de-DE" dirty="0"/>
+              <a:t> 2 4 --</a:t>
+            </a:r>
+            <a:r>
+              <a:rPr lang="de-DE" dirty="0" err="1"/>
+              <a:t>file_name_latences</a:t>
+            </a:r>
+            <a:r>
+              <a:rPr lang="de-DE" dirty="0"/>
+              <a:t> "24.csv"</a:t>
+            </a:r>
+          </a:p>
+          <a:p>
+            <a:r>
+              <a:rPr lang="de-DE" dirty="0" err="1"/>
+              <a:t>py</a:t>
+            </a:r>
+            <a:r>
+              <a:rPr lang="de-DE" dirty="0"/>
+              <a:t> train_latences_dev.py --</a:t>
+            </a:r>
+            <a:r>
+              <a:rPr lang="de-DE" dirty="0" err="1"/>
+              <a:t>batch_size</a:t>
+            </a:r>
+            <a:r>
+              <a:rPr lang="de-DE" dirty="0"/>
+              <a:t> 56 --</a:t>
+            </a:r>
+            <a:r>
+              <a:rPr lang="de-DE" dirty="0" err="1"/>
+              <a:t>feature_maps_selected</a:t>
+            </a:r>
+            <a:r>
+              <a:rPr lang="de-DE" dirty="0"/>
+              <a:t> 3 4 --</a:t>
+            </a:r>
+            <a:r>
+              <a:rPr lang="de-DE" dirty="0" err="1"/>
+              <a:t>file_name_latences</a:t>
+            </a:r>
+            <a:r>
+              <a:rPr lang="de-DE" dirty="0"/>
+              <a:t> "34.csv„</a:t>
+            </a:r>
+            <a:br>
+              <a:rPr lang="de-DE" dirty="0"/>
+            </a:br>
+            <a:br>
+              <a:rPr lang="de-DE" dirty="0"/>
+            </a:br>
+            <a:r>
+              <a:rPr lang="de-DE" dirty="0"/>
+              <a:t>Was fällt auf?</a:t>
+            </a:r>
+            <a:br>
+              <a:rPr lang="de-DE" dirty="0"/>
+            </a:br>
+            <a:r>
+              <a:rPr lang="de-DE" dirty="0"/>
+              <a:t>- feature </a:t>
+            </a:r>
+            <a:r>
+              <a:rPr lang="de-DE" dirty="0" err="1"/>
+              <a:t>extraction</a:t>
+            </a:r>
+            <a:r>
+              <a:rPr lang="de-DE" dirty="0"/>
+              <a:t> ist immer gleich! </a:t>
+            </a:r>
+            <a:r>
+              <a:rPr lang="de-DE" dirty="0">
+                <a:sym typeface="Wingdings" panose="05000000000000000000" pitchFamily="2" charset="2"/>
+              </a:rPr>
+              <a:t> Komplettes Netz wird durchlaufen  Verbesserung durch explizites Ausblenden der nicht benutzten </a:t>
+            </a:r>
+            <a:r>
+              <a:rPr lang="de-DE" dirty="0" err="1">
+                <a:sym typeface="Wingdings" panose="05000000000000000000" pitchFamily="2" charset="2"/>
+              </a:rPr>
+              <a:t>Layers</a:t>
+            </a:r>
+            <a:r>
+              <a:rPr lang="de-DE" dirty="0">
+                <a:sym typeface="Wingdings" panose="05000000000000000000" pitchFamily="2" charset="2"/>
+              </a:rPr>
+              <a:t>? (nur wegen großer </a:t>
+            </a:r>
+            <a:r>
+              <a:rPr lang="de-DE" dirty="0" err="1">
+                <a:sym typeface="Wingdings" panose="05000000000000000000" pitchFamily="2" charset="2"/>
+              </a:rPr>
+              <a:t>batch_size</a:t>
+            </a:r>
+            <a:r>
+              <a:rPr lang="de-DE" dirty="0">
+                <a:sym typeface="Wingdings" panose="05000000000000000000" pitchFamily="2" charset="2"/>
+              </a:rPr>
+              <a:t> so geringer Anteil</a:t>
+            </a:r>
+          </a:p>
+          <a:p>
+            <a:r>
+              <a:rPr lang="de-DE" dirty="0">
+                <a:sym typeface="Wingdings" panose="05000000000000000000" pitchFamily="2" charset="2"/>
+              </a:rPr>
+              <a:t>- Ansonsten große Streuung!  Validierung notwendig!</a:t>
+            </a:r>
+          </a:p>
+          <a:p>
+            <a:pPr marL="171450" indent="-171450">
+              <a:buFontTx/>
+              <a:buChar char="-"/>
+            </a:pPr>
+            <a:r>
+              <a:rPr lang="de-DE" dirty="0">
+                <a:sym typeface="Wingdings" panose="05000000000000000000" pitchFamily="2" charset="2"/>
+              </a:rPr>
+              <a:t>Große Differenz zwischen der Auflösung der </a:t>
+            </a:r>
+            <a:r>
+              <a:rPr lang="de-DE" dirty="0" err="1">
+                <a:sym typeface="Wingdings" panose="05000000000000000000" pitchFamily="2" charset="2"/>
+              </a:rPr>
+              <a:t>feautre</a:t>
+            </a:r>
+            <a:r>
+              <a:rPr lang="de-DE" dirty="0">
+                <a:sym typeface="Wingdings" panose="05000000000000000000" pitchFamily="2" charset="2"/>
+              </a:rPr>
+              <a:t> </a:t>
+            </a:r>
+            <a:r>
+              <a:rPr lang="de-DE" dirty="0" err="1">
+                <a:sym typeface="Wingdings" panose="05000000000000000000" pitchFamily="2" charset="2"/>
+              </a:rPr>
+              <a:t>maps</a:t>
+            </a:r>
+            <a:r>
+              <a:rPr lang="de-DE" dirty="0">
+                <a:sym typeface="Wingdings" panose="05000000000000000000" pitchFamily="2" charset="2"/>
+              </a:rPr>
+              <a:t>  großer „interpolationsaufwand“ (?)  große Rechenzeit (Embedding + </a:t>
+            </a:r>
+            <a:r>
+              <a:rPr lang="de-DE" dirty="0" err="1">
+                <a:sym typeface="Wingdings" panose="05000000000000000000" pitchFamily="2" charset="2"/>
+              </a:rPr>
+              <a:t>anomaly</a:t>
+            </a:r>
+            <a:r>
+              <a:rPr lang="de-DE" dirty="0">
+                <a:sym typeface="Wingdings" panose="05000000000000000000" pitchFamily="2" charset="2"/>
+              </a:rPr>
+              <a:t> </a:t>
+            </a:r>
+            <a:r>
+              <a:rPr lang="de-DE" dirty="0" err="1">
+                <a:sym typeface="Wingdings" panose="05000000000000000000" pitchFamily="2" charset="2"/>
+              </a:rPr>
+              <a:t>map</a:t>
+            </a:r>
+            <a:r>
+              <a:rPr lang="de-DE" dirty="0">
+                <a:sym typeface="Wingdings" panose="05000000000000000000" pitchFamily="2" charset="2"/>
+              </a:rPr>
+              <a:t>)</a:t>
+            </a:r>
+          </a:p>
+          <a:p>
+            <a:pPr marL="171450" indent="-171450">
+              <a:buFontTx/>
+              <a:buChar char="-"/>
+            </a:pPr>
+            <a:r>
+              <a:rPr lang="de-DE" dirty="0">
+                <a:sym typeface="Wingdings" panose="05000000000000000000" pitchFamily="2" charset="2"/>
+              </a:rPr>
+              <a:t>Search nur von </a:t>
+            </a:r>
+            <a:r>
+              <a:rPr lang="de-DE" dirty="0" err="1">
+                <a:sym typeface="Wingdings" panose="05000000000000000000" pitchFamily="2" charset="2"/>
+              </a:rPr>
+              <a:t>feature_size</a:t>
+            </a:r>
+            <a:r>
+              <a:rPr lang="de-DE" dirty="0">
+                <a:sym typeface="Wingdings" panose="05000000000000000000" pitchFamily="2" charset="2"/>
+              </a:rPr>
+              <a:t> abhängig</a:t>
+            </a:r>
+          </a:p>
+          <a:p>
+            <a:pPr marL="171450" indent="-171450">
+              <a:buFontTx/>
+              <a:buChar char="-"/>
+            </a:pPr>
+            <a:endParaRPr lang="de-DE" dirty="0">
+              <a:sym typeface="Wingdings" panose="05000000000000000000" pitchFamily="2" charset="2"/>
+            </a:endParaRPr>
+          </a:p>
+          <a:p>
+            <a:pPr marL="171450" indent="-171450">
+              <a:buFontTx/>
+              <a:buChar char="-"/>
+            </a:pPr>
+            <a:endParaRPr lang="de-DE" dirty="0">
+              <a:sym typeface="Wingdings" panose="05000000000000000000" pitchFamily="2" charset="2"/>
+            </a:endParaRPr>
+          </a:p>
+          <a:p>
+            <a:pPr marL="171450" indent="-171450">
+              <a:buFontTx/>
+              <a:buChar char="-"/>
+            </a:pPr>
+            <a:endParaRPr lang="de-DE" dirty="0"/>
+          </a:p>
+        </p:txBody>
+      </p:sp>
+      <p:sp>
+        <p:nvSpPr>
+          <p:cNvPr id="4" name="Foliennummernplatzhalter 3"/>
+          <p:cNvSpPr>
+            <a:spLocks noGrp="1"/>
+          </p:cNvSpPr>
+          <p:nvPr>
+            <p:ph type="sldNum" sz="quarter" idx="5"/>
+          </p:nvPr>
+        </p:nvSpPr>
+        <p:spPr/>
+        <p:txBody>
+          <a:bodyPr/>
+          <a:lstStyle/>
+          <a:p>
+            <a:fld id="{7A1C349F-59F8-4C5E-BE5B-46F836144213}" type="slidenum">
+              <a:rPr lang="de-DE" smtClean="0"/>
+              <a:t>5</a:t>
+            </a:fld>
+            <a:endParaRPr lang="de-DE"/>
+          </a:p>
+        </p:txBody>
+      </p:sp>
+    </p:spTree>
+    <p:extLst>
+      <p:ext uri="{BB962C8B-B14F-4D97-AF65-F5344CB8AC3E}">
+        <p14:creationId xmlns:p14="http://schemas.microsoft.com/office/powerpoint/2010/main" val="3730625938"/>
       </p:ext>
     </p:extLst>
   </p:cSld>
@@ -1681,7 +2243,7 @@
           <a:p>
             <a:fld id="{682F3A64-BCDE-482B-BF19-2C48E8D9D972}" type="datetimeFigureOut">
               <a:rPr lang="de-DE" smtClean="0"/>
-              <a:t>13.07.2022</a:t>
+              <a:t>18.07.2022</a:t>
             </a:fld>
             <a:endParaRPr lang="de-DE"/>
           </a:p>
@@ -1879,7 +2441,7 @@
           <a:p>
             <a:fld id="{682F3A64-BCDE-482B-BF19-2C48E8D9D972}" type="datetimeFigureOut">
               <a:rPr lang="de-DE" smtClean="0"/>
-              <a:t>13.07.2022</a:t>
+              <a:t>18.07.2022</a:t>
             </a:fld>
             <a:endParaRPr lang="de-DE"/>
           </a:p>
@@ -2087,7 +2649,7 @@
           <a:p>
             <a:fld id="{682F3A64-BCDE-482B-BF19-2C48E8D9D972}" type="datetimeFigureOut">
               <a:rPr lang="de-DE" smtClean="0"/>
-              <a:t>13.07.2022</a:t>
+              <a:t>18.07.2022</a:t>
             </a:fld>
             <a:endParaRPr lang="de-DE"/>
           </a:p>
@@ -2285,7 +2847,7 @@
           <a:p>
             <a:fld id="{682F3A64-BCDE-482B-BF19-2C48E8D9D972}" type="datetimeFigureOut">
               <a:rPr lang="de-DE" smtClean="0"/>
-              <a:t>13.07.2022</a:t>
+              <a:t>18.07.2022</a:t>
             </a:fld>
             <a:endParaRPr lang="de-DE"/>
           </a:p>
@@ -2560,7 +3122,7 @@
           <a:p>
             <a:fld id="{682F3A64-BCDE-482B-BF19-2C48E8D9D972}" type="datetimeFigureOut">
               <a:rPr lang="de-DE" smtClean="0"/>
-              <a:t>13.07.2022</a:t>
+              <a:t>18.07.2022</a:t>
             </a:fld>
             <a:endParaRPr lang="de-DE"/>
           </a:p>
@@ -2825,7 +3387,7 @@
           <a:p>
             <a:fld id="{682F3A64-BCDE-482B-BF19-2C48E8D9D972}" type="datetimeFigureOut">
               <a:rPr lang="de-DE" smtClean="0"/>
-              <a:t>13.07.2022</a:t>
+              <a:t>18.07.2022</a:t>
             </a:fld>
             <a:endParaRPr lang="de-DE"/>
           </a:p>
@@ -3237,7 +3799,7 @@
           <a:p>
             <a:fld id="{682F3A64-BCDE-482B-BF19-2C48E8D9D972}" type="datetimeFigureOut">
               <a:rPr lang="de-DE" smtClean="0"/>
-              <a:t>13.07.2022</a:t>
+              <a:t>18.07.2022</a:t>
             </a:fld>
             <a:endParaRPr lang="de-DE"/>
           </a:p>
@@ -3378,7 +3940,7 @@
           <a:p>
             <a:fld id="{682F3A64-BCDE-482B-BF19-2C48E8D9D972}" type="datetimeFigureOut">
               <a:rPr lang="de-DE" smtClean="0"/>
-              <a:t>13.07.2022</a:t>
+              <a:t>18.07.2022</a:t>
             </a:fld>
             <a:endParaRPr lang="de-DE"/>
           </a:p>
@@ -3491,7 +4053,7 @@
           <a:p>
             <a:fld id="{682F3A64-BCDE-482B-BF19-2C48E8D9D972}" type="datetimeFigureOut">
               <a:rPr lang="de-DE" smtClean="0"/>
-              <a:t>13.07.2022</a:t>
+              <a:t>18.07.2022</a:t>
             </a:fld>
             <a:endParaRPr lang="de-DE"/>
           </a:p>
@@ -3802,7 +4364,7 @@
           <a:p>
             <a:fld id="{682F3A64-BCDE-482B-BF19-2C48E8D9D972}" type="datetimeFigureOut">
               <a:rPr lang="de-DE" smtClean="0"/>
-              <a:t>13.07.2022</a:t>
+              <a:t>18.07.2022</a:t>
             </a:fld>
             <a:endParaRPr lang="de-DE"/>
           </a:p>
@@ -4090,7 +4652,7 @@
           <a:p>
             <a:fld id="{682F3A64-BCDE-482B-BF19-2C48E8D9D972}" type="datetimeFigureOut">
               <a:rPr lang="de-DE" smtClean="0"/>
-              <a:t>13.07.2022</a:t>
+              <a:t>18.07.2022</a:t>
             </a:fld>
             <a:endParaRPr lang="de-DE"/>
           </a:p>
@@ -4331,7 +4893,7 @@
           <a:p>
             <a:fld id="{682F3A64-BCDE-482B-BF19-2C48E8D9D972}" type="datetimeFigureOut">
               <a:rPr lang="de-DE" smtClean="0"/>
-              <a:t>13.07.2022</a:t>
+              <a:t>18.07.2022</a:t>
             </a:fld>
             <a:endParaRPr lang="de-DE"/>
           </a:p>
@@ -4748,49 +5310,950 @@
           <a:chExt cx="0" cy="0"/>
         </a:xfrm>
       </p:grpSpPr>
-      <p:pic>
-        <p:nvPicPr>
-          <p:cNvPr id="4" name="Grafik 3">
+      <p:sp>
+        <p:nvSpPr>
+          <p:cNvPr id="2" name="Titel 1">
             <a:extLst>
               <a:ext uri="{FF2B5EF4-FFF2-40B4-BE49-F238E27FC236}">
-                <a16:creationId xmlns:a16="http://schemas.microsoft.com/office/drawing/2014/main" id="{4CF22E82-204E-A021-8C86-B9DFFECD1D68}"/>
+                <a16:creationId xmlns:a16="http://schemas.microsoft.com/office/drawing/2014/main" id="{AF24F820-BDBA-FC17-AFC9-81DC6031F2B2}"/>
               </a:ext>
             </a:extLst>
           </p:cNvPr>
-          <p:cNvPicPr>
-            <a:picLocks noChangeAspect="1"/>
-          </p:cNvPicPr>
-          <p:nvPr/>
-        </p:nvPicPr>
-        <p:blipFill>
-          <a:blip r:embed="rId3">
-            <a:extLst>
-              <a:ext uri="{28A0092B-C50C-407E-A947-70E740481C1C}">
-                <a14:useLocalDpi xmlns:a14="http://schemas.microsoft.com/office/drawing/2010/main" val="0"/>
-              </a:ext>
-              <a:ext uri="{96DAC541-7B7A-43D3-8B79-37D633B846F1}">
-                <asvg:svgBlip xmlns:asvg="http://schemas.microsoft.com/office/drawing/2016/SVG/main" r:embed="rId4"/>
-              </a:ext>
-            </a:extLst>
-          </a:blip>
-          <a:stretch>
-            <a:fillRect/>
-          </a:stretch>
-        </p:blipFill>
-        <p:spPr>
-          <a:xfrm>
-            <a:off x="0" y="259202"/>
-            <a:ext cx="12192000" cy="6339596"/>
-          </a:xfrm>
-          <a:prstGeom prst="rect">
-            <a:avLst/>
-          </a:prstGeom>
-        </p:spPr>
-      </p:pic>
+          <p:cNvSpPr>
+            <a:spLocks noGrp="1"/>
+          </p:cNvSpPr>
+          <p:nvPr>
+            <p:ph type="title"/>
+          </p:nvPr>
+        </p:nvSpPr>
+        <p:spPr/>
+        <p:txBody>
+          <a:bodyPr/>
+          <a:lstStyle/>
+          <a:p>
+            <a:r>
+              <a:rPr lang="de-DE" dirty="0"/>
+              <a:t>Summary </a:t>
+            </a:r>
+            <a:r>
+              <a:rPr lang="de-DE" dirty="0" err="1"/>
+              <a:t>of</a:t>
+            </a:r>
+            <a:r>
+              <a:rPr lang="de-DE" dirty="0"/>
+              <a:t> Work (18.07.22)</a:t>
+            </a:r>
+          </a:p>
+        </p:txBody>
+      </p:sp>
+      <p:sp>
+        <p:nvSpPr>
+          <p:cNvPr id="3" name="Textplatzhalter 2">
+            <a:extLst>
+              <a:ext uri="{FF2B5EF4-FFF2-40B4-BE49-F238E27FC236}">
+                <a16:creationId xmlns:a16="http://schemas.microsoft.com/office/drawing/2014/main" id="{669FEE0D-7007-9A46-4F2A-AE5D0F480F00}"/>
+              </a:ext>
+            </a:extLst>
+          </p:cNvPr>
+          <p:cNvSpPr>
+            <a:spLocks noGrp="1"/>
+          </p:cNvSpPr>
+          <p:nvPr>
+            <p:ph type="body" idx="1"/>
+          </p:nvPr>
+        </p:nvSpPr>
+        <p:spPr/>
+        <p:txBody>
+          <a:bodyPr/>
+          <a:lstStyle/>
+          <a:p>
+            <a:r>
+              <a:rPr lang="de-DE" dirty="0"/>
+              <a:t>DONE</a:t>
+            </a:r>
+          </a:p>
+        </p:txBody>
+      </p:sp>
+      <p:sp>
+        <p:nvSpPr>
+          <p:cNvPr id="4" name="Inhaltsplatzhalter 3">
+            <a:extLst>
+              <a:ext uri="{FF2B5EF4-FFF2-40B4-BE49-F238E27FC236}">
+                <a16:creationId xmlns:a16="http://schemas.microsoft.com/office/drawing/2014/main" id="{546C55F3-B8F4-3FD2-9AEB-A6DD4EF1B019}"/>
+              </a:ext>
+            </a:extLst>
+          </p:cNvPr>
+          <p:cNvSpPr>
+            <a:spLocks noGrp="1"/>
+          </p:cNvSpPr>
+          <p:nvPr>
+            <p:ph sz="half" idx="2"/>
+          </p:nvPr>
+        </p:nvSpPr>
+        <p:spPr/>
+        <p:txBody>
+          <a:bodyPr>
+            <a:normAutofit fontScale="62500" lnSpcReduction="20000"/>
+          </a:bodyPr>
+          <a:lstStyle/>
+          <a:p>
+            <a:pPr marL="171450" indent="-171450">
+              <a:buFont typeface="Arial" panose="020B0604020202020204" pitchFamily="34" charset="0"/>
+              <a:buChar char="•"/>
+            </a:pPr>
+            <a:r>
+              <a:rPr lang="de-DE" dirty="0" err="1"/>
+              <a:t>new</a:t>
+            </a:r>
+            <a:r>
+              <a:rPr lang="de-DE" dirty="0"/>
+              <a:t> </a:t>
+            </a:r>
+            <a:r>
+              <a:rPr lang="de-DE" dirty="0" err="1"/>
+              <a:t>args</a:t>
+            </a:r>
+            <a:r>
+              <a:rPr lang="de-DE" dirty="0"/>
+              <a:t> </a:t>
+            </a:r>
+            <a:r>
+              <a:rPr lang="de-DE" dirty="0" err="1"/>
+              <a:t>added</a:t>
+            </a:r>
+            <a:r>
+              <a:rPr lang="de-DE" dirty="0"/>
+              <a:t> </a:t>
+            </a:r>
+            <a:r>
+              <a:rPr lang="de-DE" dirty="0" err="1"/>
+              <a:t>for</a:t>
+            </a:r>
+            <a:r>
+              <a:rPr lang="de-DE" dirty="0"/>
+              <a:t> </a:t>
+            </a:r>
+            <a:r>
+              <a:rPr lang="de-DE" dirty="0" err="1"/>
+              <a:t>controlling</a:t>
+            </a:r>
+            <a:r>
+              <a:rPr lang="de-DE" dirty="0"/>
+              <a:t> </a:t>
+            </a:r>
+            <a:r>
+              <a:rPr lang="de-DE" dirty="0" err="1"/>
+              <a:t>parameters</a:t>
+            </a:r>
+            <a:r>
+              <a:rPr lang="de-DE" dirty="0"/>
+              <a:t> </a:t>
+            </a:r>
+            <a:r>
+              <a:rPr lang="de-DE" dirty="0" err="1"/>
+              <a:t>of</a:t>
+            </a:r>
+            <a:r>
+              <a:rPr lang="de-DE" dirty="0"/>
+              <a:t> </a:t>
+            </a:r>
+            <a:r>
+              <a:rPr lang="de-DE" dirty="0" err="1"/>
+              <a:t>avgpooling</a:t>
+            </a:r>
+            <a:r>
+              <a:rPr lang="de-DE" dirty="0"/>
+              <a:t>: </a:t>
+            </a:r>
+            <a:r>
+              <a:rPr lang="de-DE" dirty="0" err="1"/>
+              <a:t>kernel_size</a:t>
+            </a:r>
+            <a:r>
+              <a:rPr lang="de-DE" dirty="0"/>
+              <a:t>, </a:t>
+            </a:r>
+            <a:r>
+              <a:rPr lang="de-DE" dirty="0" err="1"/>
+              <a:t>stride</a:t>
+            </a:r>
+            <a:r>
+              <a:rPr lang="de-DE" dirty="0"/>
+              <a:t>, </a:t>
+            </a:r>
+            <a:r>
+              <a:rPr lang="de-DE" dirty="0" err="1"/>
+              <a:t>padding</a:t>
+            </a:r>
+            <a:endParaRPr lang="de-DE" dirty="0"/>
+          </a:p>
+          <a:p>
+            <a:pPr marL="171450" indent="-171450">
+              <a:buFont typeface="Arial" panose="020B0604020202020204" pitchFamily="34" charset="0"/>
+              <a:buChar char="•"/>
+            </a:pPr>
+            <a:r>
+              <a:rPr lang="de-DE" dirty="0" err="1"/>
+              <a:t>PoolingLayer</a:t>
+            </a:r>
+            <a:r>
+              <a:rPr lang="de-DE" dirty="0"/>
+              <a:t> </a:t>
+            </a:r>
+            <a:r>
+              <a:rPr lang="de-DE" dirty="0" err="1"/>
+              <a:t>is</a:t>
+            </a:r>
+            <a:r>
+              <a:rPr lang="de-DE" dirty="0"/>
+              <a:t> </a:t>
+            </a:r>
+            <a:r>
+              <a:rPr lang="de-DE" dirty="0" err="1"/>
+              <a:t>now</a:t>
+            </a:r>
+            <a:r>
+              <a:rPr lang="de-DE" dirty="0"/>
+              <a:t> </a:t>
+            </a:r>
+            <a:r>
+              <a:rPr lang="de-DE" dirty="0" err="1"/>
+              <a:t>class</a:t>
+            </a:r>
+            <a:r>
+              <a:rPr lang="de-DE" dirty="0"/>
+              <a:t> </a:t>
+            </a:r>
+            <a:r>
+              <a:rPr lang="de-DE" dirty="0" err="1"/>
+              <a:t>attribute</a:t>
+            </a:r>
+            <a:r>
+              <a:rPr lang="de-DE" dirty="0"/>
+              <a:t> </a:t>
+            </a:r>
+            <a:r>
+              <a:rPr lang="de-DE" dirty="0" err="1"/>
+              <a:t>which</a:t>
+            </a:r>
+            <a:r>
+              <a:rPr lang="de-DE" dirty="0"/>
+              <a:t> </a:t>
+            </a:r>
+            <a:r>
+              <a:rPr lang="de-DE" dirty="0" err="1"/>
+              <a:t>ensures</a:t>
+            </a:r>
+            <a:r>
+              <a:rPr lang="de-DE" dirty="0"/>
+              <a:t> </a:t>
+            </a:r>
+            <a:r>
+              <a:rPr lang="de-DE" dirty="0" err="1"/>
+              <a:t>that</a:t>
+            </a:r>
+            <a:r>
+              <a:rPr lang="de-DE" dirty="0"/>
+              <a:t> </a:t>
+            </a:r>
+            <a:r>
+              <a:rPr lang="de-DE" dirty="0" err="1"/>
+              <a:t>everywhere</a:t>
+            </a:r>
+            <a:r>
+              <a:rPr lang="de-DE" dirty="0"/>
+              <a:t> same </a:t>
+            </a:r>
+            <a:r>
+              <a:rPr lang="de-DE" dirty="0" err="1"/>
+              <a:t>pooling</a:t>
+            </a:r>
+            <a:r>
+              <a:rPr lang="de-DE" dirty="0"/>
+              <a:t> </a:t>
+            </a:r>
+            <a:r>
+              <a:rPr lang="de-DE" dirty="0" err="1"/>
+              <a:t>layer</a:t>
+            </a:r>
+            <a:r>
+              <a:rPr lang="de-DE" dirty="0"/>
+              <a:t> </a:t>
+            </a:r>
+            <a:r>
+              <a:rPr lang="de-DE" dirty="0" err="1"/>
+              <a:t>is</a:t>
+            </a:r>
+            <a:r>
+              <a:rPr lang="de-DE" dirty="0"/>
+              <a:t> </a:t>
+            </a:r>
+            <a:r>
+              <a:rPr lang="de-DE" dirty="0" err="1"/>
+              <a:t>used</a:t>
+            </a:r>
+            <a:endParaRPr lang="de-DE" dirty="0"/>
+          </a:p>
+          <a:p>
+            <a:pPr marL="171450" indent="-171450">
+              <a:buFont typeface="Arial" panose="020B0604020202020204" pitchFamily="34" charset="0"/>
+              <a:buChar char="•"/>
+            </a:pPr>
+            <a:r>
+              <a:rPr lang="de-DE" dirty="0"/>
+              <a:t>New </a:t>
+            </a:r>
+            <a:r>
+              <a:rPr lang="de-DE" dirty="0" err="1"/>
+              <a:t>info</a:t>
+            </a:r>
+            <a:r>
+              <a:rPr lang="de-DE" dirty="0"/>
+              <a:t> </a:t>
+            </a:r>
+            <a:r>
+              <a:rPr lang="de-DE" dirty="0" err="1"/>
+              <a:t>is</a:t>
+            </a:r>
+            <a:r>
+              <a:rPr lang="de-DE" dirty="0"/>
+              <a:t> </a:t>
+            </a:r>
+            <a:r>
+              <a:rPr lang="de-DE" dirty="0" err="1"/>
+              <a:t>added</a:t>
+            </a:r>
+            <a:r>
+              <a:rPr lang="de-DE" dirty="0"/>
+              <a:t> </a:t>
+            </a:r>
+            <a:r>
+              <a:rPr lang="de-DE" dirty="0" err="1"/>
+              <a:t>to</a:t>
+            </a:r>
+            <a:r>
+              <a:rPr lang="de-DE" dirty="0"/>
+              <a:t> </a:t>
+            </a:r>
+            <a:r>
+              <a:rPr lang="de-DE" dirty="0" err="1"/>
+              <a:t>csv</a:t>
+            </a:r>
+            <a:r>
+              <a:rPr lang="de-DE" dirty="0"/>
+              <a:t>: </a:t>
+            </a:r>
+            <a:r>
+              <a:rPr lang="de-DE" dirty="0" err="1"/>
+              <a:t>parameters</a:t>
+            </a:r>
+            <a:r>
+              <a:rPr lang="de-DE" dirty="0"/>
+              <a:t> </a:t>
+            </a:r>
+            <a:r>
+              <a:rPr lang="de-DE" dirty="0" err="1"/>
+              <a:t>of</a:t>
+            </a:r>
+            <a:r>
+              <a:rPr lang="de-DE" dirty="0"/>
+              <a:t> </a:t>
+            </a:r>
+            <a:r>
+              <a:rPr lang="de-DE" dirty="0" err="1"/>
+              <a:t>PoolingLayer</a:t>
+            </a:r>
+            <a:r>
+              <a:rPr lang="de-DE" dirty="0"/>
+              <a:t> &amp; </a:t>
+            </a:r>
+            <a:r>
+              <a:rPr lang="de-DE" dirty="0" err="1"/>
+              <a:t>number</a:t>
+            </a:r>
+            <a:r>
+              <a:rPr lang="de-DE" dirty="0"/>
+              <a:t> </a:t>
+            </a:r>
+            <a:r>
+              <a:rPr lang="de-DE" dirty="0" err="1"/>
+              <a:t>of</a:t>
+            </a:r>
+            <a:r>
+              <a:rPr lang="de-DE" dirty="0"/>
+              <a:t> </a:t>
+            </a:r>
+            <a:r>
+              <a:rPr lang="de-DE" dirty="0" err="1"/>
+              <a:t>feautures</a:t>
+            </a:r>
+            <a:r>
+              <a:rPr lang="de-DE" dirty="0"/>
+              <a:t> </a:t>
+            </a:r>
+            <a:r>
+              <a:rPr lang="de-DE" dirty="0" err="1"/>
+              <a:t>resulting</a:t>
+            </a:r>
+            <a:r>
+              <a:rPr lang="de-DE" dirty="0"/>
+              <a:t> after </a:t>
+            </a:r>
+            <a:r>
+              <a:rPr lang="de-DE" dirty="0" err="1"/>
+              <a:t>AvgPool</a:t>
+            </a:r>
+            <a:r>
+              <a:rPr lang="de-DE" dirty="0"/>
+              <a:t> Filter and Embedding</a:t>
+            </a:r>
+          </a:p>
+          <a:p>
+            <a:pPr marL="171450" indent="-171450">
+              <a:buFont typeface="Arial" panose="020B0604020202020204" pitchFamily="34" charset="0"/>
+              <a:buChar char="•"/>
+            </a:pPr>
+            <a:r>
+              <a:rPr lang="de-DE" dirty="0"/>
+              <a:t>New </a:t>
+            </a:r>
+            <a:r>
+              <a:rPr lang="de-DE" dirty="0" err="1"/>
+              <a:t>args</a:t>
+            </a:r>
+            <a:r>
+              <a:rPr lang="de-DE" dirty="0"/>
+              <a:t> </a:t>
+            </a:r>
+            <a:r>
+              <a:rPr lang="de-DE" dirty="0" err="1"/>
+              <a:t>added</a:t>
+            </a:r>
+            <a:r>
+              <a:rPr lang="de-DE" dirty="0"/>
+              <a:t> </a:t>
+            </a:r>
+            <a:r>
+              <a:rPr lang="de-DE" dirty="0" err="1"/>
+              <a:t>for</a:t>
+            </a:r>
+            <a:r>
+              <a:rPr lang="de-DE" dirty="0"/>
+              <a:t> </a:t>
+            </a:r>
+            <a:r>
+              <a:rPr lang="de-DE" dirty="0" err="1"/>
+              <a:t>controlling</a:t>
+            </a:r>
+            <a:r>
+              <a:rPr lang="de-DE" dirty="0"/>
+              <a:t> </a:t>
+            </a:r>
+            <a:r>
+              <a:rPr lang="de-DE" dirty="0" err="1"/>
+              <a:t>the</a:t>
+            </a:r>
+            <a:r>
+              <a:rPr lang="de-DE" dirty="0"/>
+              <a:t> </a:t>
+            </a:r>
+            <a:r>
+              <a:rPr lang="de-DE" dirty="0" err="1"/>
+              <a:t>maps</a:t>
+            </a:r>
+            <a:r>
+              <a:rPr lang="de-DE" dirty="0"/>
+              <a:t> </a:t>
+            </a:r>
+            <a:r>
+              <a:rPr lang="de-DE" dirty="0" err="1"/>
+              <a:t>that</a:t>
+            </a:r>
+            <a:r>
+              <a:rPr lang="de-DE" dirty="0"/>
+              <a:t> </a:t>
+            </a:r>
+            <a:r>
+              <a:rPr lang="de-DE" dirty="0" err="1"/>
+              <a:t>are</a:t>
+            </a:r>
+            <a:r>
+              <a:rPr lang="de-DE" dirty="0"/>
+              <a:t> </a:t>
+            </a:r>
+            <a:r>
+              <a:rPr lang="de-DE" dirty="0" err="1"/>
+              <a:t>used</a:t>
+            </a:r>
+            <a:r>
+              <a:rPr lang="de-DE" dirty="0"/>
+              <a:t> </a:t>
+            </a:r>
+            <a:r>
+              <a:rPr lang="de-DE" dirty="0" err="1"/>
+              <a:t>for</a:t>
+            </a:r>
+            <a:r>
+              <a:rPr lang="de-DE" dirty="0"/>
+              <a:t> feature </a:t>
+            </a:r>
+            <a:r>
+              <a:rPr lang="de-DE" dirty="0" err="1"/>
+              <a:t>extraction</a:t>
+            </a:r>
+            <a:endParaRPr lang="de-DE" dirty="0"/>
+          </a:p>
+          <a:p>
+            <a:pPr marL="171450" indent="-171450">
+              <a:buFont typeface="Arial" panose="020B0604020202020204" pitchFamily="34" charset="0"/>
+              <a:buChar char="•"/>
+            </a:pPr>
+            <a:r>
+              <a:rPr lang="de-DE" dirty="0" err="1"/>
+              <a:t>Latence</a:t>
+            </a:r>
+            <a:r>
+              <a:rPr lang="de-DE" dirty="0"/>
+              <a:t> </a:t>
+            </a:r>
+            <a:r>
+              <a:rPr lang="de-DE" dirty="0" err="1"/>
+              <a:t>measurement</a:t>
+            </a:r>
+            <a:r>
+              <a:rPr lang="de-DE" dirty="0"/>
+              <a:t> </a:t>
+            </a:r>
+            <a:r>
+              <a:rPr lang="de-DE" dirty="0" err="1"/>
+              <a:t>of</a:t>
+            </a:r>
+            <a:r>
+              <a:rPr lang="de-DE" dirty="0"/>
+              <a:t> different feature </a:t>
+            </a:r>
+            <a:r>
+              <a:rPr lang="de-DE" dirty="0" err="1"/>
+              <a:t>maps</a:t>
+            </a:r>
+            <a:r>
+              <a:rPr lang="de-DE" dirty="0"/>
+              <a:t> / </a:t>
+            </a:r>
+            <a:r>
+              <a:rPr lang="de-DE" dirty="0" err="1"/>
+              <a:t>layers</a:t>
+            </a:r>
+            <a:endParaRPr lang="de-DE" dirty="0"/>
+          </a:p>
+          <a:p>
+            <a:pPr marL="171450" indent="-171450">
+              <a:buFont typeface="Arial" panose="020B0604020202020204" pitchFamily="34" charset="0"/>
+              <a:buChar char="•"/>
+            </a:pPr>
+            <a:r>
+              <a:rPr lang="de-DE" dirty="0" err="1"/>
+              <a:t>Results</a:t>
+            </a:r>
+            <a:r>
+              <a:rPr lang="de-DE" dirty="0"/>
+              <a:t> </a:t>
+            </a:r>
+            <a:r>
+              <a:rPr lang="de-DE" dirty="0" err="1"/>
+              <a:t>plotted</a:t>
+            </a:r>
+            <a:endParaRPr lang="de-DE" dirty="0"/>
+          </a:p>
+          <a:p>
+            <a:pPr marL="171450" indent="-171450">
+              <a:buFont typeface="Arial" panose="020B0604020202020204" pitchFamily="34" charset="0"/>
+              <a:buChar char="•"/>
+            </a:pPr>
+            <a:r>
+              <a:rPr lang="de-DE" dirty="0" err="1"/>
+              <a:t>Img</a:t>
+            </a:r>
+            <a:r>
+              <a:rPr lang="de-DE" dirty="0"/>
+              <a:t> </a:t>
+            </a:r>
+            <a:r>
+              <a:rPr lang="de-DE" dirty="0" err="1"/>
+              <a:t>auc</a:t>
+            </a:r>
+            <a:r>
+              <a:rPr lang="de-DE" dirty="0"/>
+              <a:t> and </a:t>
+            </a:r>
+            <a:r>
+              <a:rPr lang="de-DE" dirty="0" err="1"/>
+              <a:t>pixel</a:t>
+            </a:r>
+            <a:r>
+              <a:rPr lang="de-DE" dirty="0"/>
+              <a:t> </a:t>
+            </a:r>
+            <a:r>
+              <a:rPr lang="de-DE" dirty="0" err="1"/>
+              <a:t>auc</a:t>
+            </a:r>
+            <a:r>
+              <a:rPr lang="de-DE" dirty="0"/>
+              <a:t> </a:t>
+            </a:r>
+            <a:r>
+              <a:rPr lang="de-DE" dirty="0" err="1"/>
+              <a:t>are</a:t>
+            </a:r>
+            <a:r>
+              <a:rPr lang="de-DE" dirty="0"/>
+              <a:t> </a:t>
+            </a:r>
+            <a:r>
+              <a:rPr lang="de-DE" dirty="0" err="1"/>
+              <a:t>saved</a:t>
+            </a:r>
+            <a:r>
+              <a:rPr lang="de-DE" dirty="0"/>
+              <a:t> (</a:t>
+            </a:r>
+            <a:r>
+              <a:rPr lang="de-DE" dirty="0" err="1"/>
+              <a:t>yet</a:t>
+            </a:r>
+            <a:r>
+              <a:rPr lang="de-DE" dirty="0"/>
+              <a:t> </a:t>
+            </a:r>
+            <a:r>
+              <a:rPr lang="de-DE" dirty="0" err="1"/>
+              <a:t>to</a:t>
+            </a:r>
+            <a:r>
+              <a:rPr lang="de-DE" dirty="0"/>
+              <a:t> </a:t>
+            </a:r>
+            <a:r>
+              <a:rPr lang="de-DE" dirty="0" err="1"/>
+              <a:t>run</a:t>
+            </a:r>
+            <a:r>
+              <a:rPr lang="de-DE" dirty="0"/>
+              <a:t>) </a:t>
+            </a:r>
+            <a:r>
+              <a:rPr lang="de-DE" dirty="0" err="1"/>
+              <a:t>for</a:t>
+            </a:r>
+            <a:r>
+              <a:rPr lang="de-DE" dirty="0"/>
+              <a:t> </a:t>
+            </a:r>
+            <a:r>
+              <a:rPr lang="de-DE" dirty="0" err="1"/>
+              <a:t>analysing</a:t>
+            </a:r>
+            <a:r>
+              <a:rPr lang="de-DE" dirty="0"/>
+              <a:t> </a:t>
+            </a:r>
+            <a:r>
+              <a:rPr lang="de-DE" dirty="0" err="1"/>
+              <a:t>influence</a:t>
+            </a:r>
+            <a:r>
+              <a:rPr lang="de-DE" dirty="0"/>
+              <a:t> </a:t>
+            </a:r>
+            <a:r>
+              <a:rPr lang="de-DE" dirty="0" err="1"/>
+              <a:t>of</a:t>
+            </a:r>
+            <a:r>
+              <a:rPr lang="de-DE" dirty="0"/>
+              <a:t> </a:t>
+            </a:r>
+            <a:r>
+              <a:rPr lang="de-DE" dirty="0" err="1"/>
+              <a:t>performance</a:t>
+            </a:r>
+            <a:endParaRPr lang="de-DE" dirty="0"/>
+          </a:p>
+          <a:p>
+            <a:pPr marL="171450" indent="-171450">
+              <a:buFont typeface="Arial" panose="020B0604020202020204" pitchFamily="34" charset="0"/>
+              <a:buChar char="•"/>
+            </a:pPr>
+            <a:endParaRPr lang="de-DE" dirty="0"/>
+          </a:p>
+          <a:p>
+            <a:endParaRPr lang="de-DE" dirty="0"/>
+          </a:p>
+        </p:txBody>
+      </p:sp>
+      <p:sp>
+        <p:nvSpPr>
+          <p:cNvPr id="5" name="Textplatzhalter 4">
+            <a:extLst>
+              <a:ext uri="{FF2B5EF4-FFF2-40B4-BE49-F238E27FC236}">
+                <a16:creationId xmlns:a16="http://schemas.microsoft.com/office/drawing/2014/main" id="{E8E407AB-B1A8-0C5E-BA22-A241969B8BE1}"/>
+              </a:ext>
+            </a:extLst>
+          </p:cNvPr>
+          <p:cNvSpPr>
+            <a:spLocks noGrp="1"/>
+          </p:cNvSpPr>
+          <p:nvPr>
+            <p:ph type="body" sz="quarter" idx="3"/>
+          </p:nvPr>
+        </p:nvSpPr>
+        <p:spPr/>
+        <p:txBody>
+          <a:bodyPr/>
+          <a:lstStyle/>
+          <a:p>
+            <a:r>
+              <a:rPr lang="de-DE" dirty="0"/>
+              <a:t>TODO</a:t>
+            </a:r>
+          </a:p>
+        </p:txBody>
+      </p:sp>
+      <p:sp>
+        <p:nvSpPr>
+          <p:cNvPr id="6" name="Inhaltsplatzhalter 5">
+            <a:extLst>
+              <a:ext uri="{FF2B5EF4-FFF2-40B4-BE49-F238E27FC236}">
+                <a16:creationId xmlns:a16="http://schemas.microsoft.com/office/drawing/2014/main" id="{7B516F15-1BEE-F92D-3203-5AD6C32A2897}"/>
+              </a:ext>
+            </a:extLst>
+          </p:cNvPr>
+          <p:cNvSpPr>
+            <a:spLocks noGrp="1"/>
+          </p:cNvSpPr>
+          <p:nvPr>
+            <p:ph sz="quarter" idx="4"/>
+          </p:nvPr>
+        </p:nvSpPr>
+        <p:spPr/>
+        <p:txBody>
+          <a:bodyPr>
+            <a:normAutofit fontScale="62500" lnSpcReduction="20000"/>
+          </a:bodyPr>
+          <a:lstStyle/>
+          <a:p>
+            <a:r>
+              <a:rPr lang="de-DE" dirty="0"/>
+              <a:t>Validation </a:t>
+            </a:r>
+            <a:r>
+              <a:rPr lang="de-DE" dirty="0" err="1"/>
+              <a:t>run</a:t>
+            </a:r>
+            <a:r>
+              <a:rPr lang="de-DE" dirty="0"/>
+              <a:t> </a:t>
+            </a:r>
+            <a:r>
+              <a:rPr lang="de-DE" dirty="0" err="1"/>
+              <a:t>for</a:t>
+            </a:r>
+            <a:r>
+              <a:rPr lang="de-DE" dirty="0"/>
+              <a:t> </a:t>
+            </a:r>
+            <a:r>
+              <a:rPr lang="de-DE" dirty="0" err="1"/>
+              <a:t>both</a:t>
+            </a:r>
+            <a:r>
+              <a:rPr lang="de-DE" dirty="0"/>
+              <a:t> </a:t>
+            </a:r>
+            <a:r>
+              <a:rPr lang="de-DE" dirty="0" err="1"/>
+              <a:t>patch</a:t>
+            </a:r>
+            <a:r>
+              <a:rPr lang="de-DE" dirty="0"/>
+              <a:t> </a:t>
+            </a:r>
+            <a:r>
+              <a:rPr lang="de-DE" dirty="0" err="1"/>
+              <a:t>size</a:t>
+            </a:r>
+            <a:r>
+              <a:rPr lang="de-DE" dirty="0"/>
+              <a:t> and </a:t>
+            </a:r>
+            <a:r>
+              <a:rPr lang="de-DE" dirty="0" err="1"/>
+              <a:t>feature_maps</a:t>
+            </a:r>
+            <a:endParaRPr lang="de-DE" dirty="0"/>
+          </a:p>
+          <a:p>
+            <a:r>
+              <a:rPr lang="de-DE" dirty="0" err="1"/>
+              <a:t>take</a:t>
+            </a:r>
+            <a:r>
+              <a:rPr lang="de-DE" dirty="0"/>
+              <a:t> </a:t>
+            </a:r>
+            <a:r>
+              <a:rPr lang="de-DE" dirty="0" err="1"/>
+              <a:t>auccuracy</a:t>
+            </a:r>
+            <a:r>
+              <a:rPr lang="de-DE" dirty="0"/>
+              <a:t> </a:t>
+            </a:r>
+            <a:r>
+              <a:rPr lang="de-DE" dirty="0" err="1"/>
+              <a:t>into</a:t>
+            </a:r>
+            <a:r>
+              <a:rPr lang="de-DE" dirty="0"/>
+              <a:t> </a:t>
+            </a:r>
+            <a:r>
+              <a:rPr lang="de-DE" dirty="0" err="1"/>
+              <a:t>account</a:t>
+            </a:r>
+            <a:endParaRPr lang="de-DE" dirty="0"/>
+          </a:p>
+          <a:p>
+            <a:r>
+              <a:rPr lang="de-DE" dirty="0"/>
+              <a:t>Different </a:t>
+            </a:r>
+            <a:r>
+              <a:rPr lang="de-DE" dirty="0" err="1"/>
+              <a:t>search</a:t>
+            </a:r>
+            <a:r>
+              <a:rPr lang="de-DE" dirty="0"/>
+              <a:t> </a:t>
+            </a:r>
+            <a:r>
+              <a:rPr lang="de-DE" dirty="0" err="1"/>
+              <a:t>methods</a:t>
+            </a:r>
+            <a:endParaRPr lang="de-DE" dirty="0"/>
+          </a:p>
+          <a:p>
+            <a:r>
+              <a:rPr lang="de-DE" dirty="0" err="1"/>
+              <a:t>Better</a:t>
+            </a:r>
+            <a:r>
+              <a:rPr lang="de-DE" dirty="0"/>
+              <a:t> </a:t>
+            </a:r>
+            <a:r>
+              <a:rPr lang="de-DE" dirty="0" err="1"/>
+              <a:t>plots</a:t>
+            </a:r>
+            <a:r>
+              <a:rPr lang="de-DE" dirty="0"/>
+              <a:t> (different </a:t>
+            </a:r>
+            <a:r>
+              <a:rPr lang="de-DE" dirty="0" err="1"/>
+              <a:t>scales</a:t>
+            </a:r>
+            <a:r>
+              <a:rPr lang="de-DE" dirty="0"/>
+              <a:t>, </a:t>
+            </a:r>
+            <a:r>
+              <a:rPr lang="de-DE" dirty="0" err="1"/>
+              <a:t>stacked</a:t>
+            </a:r>
+            <a:r>
+              <a:rPr lang="de-DE" dirty="0"/>
+              <a:t> bar)</a:t>
+            </a:r>
+          </a:p>
+          <a:p>
+            <a:r>
+              <a:rPr lang="de-DE" dirty="0" err="1"/>
+              <a:t>Reduce</a:t>
+            </a:r>
+            <a:r>
+              <a:rPr lang="de-DE" dirty="0"/>
+              <a:t> feature </a:t>
+            </a:r>
+            <a:r>
+              <a:rPr lang="de-DE" dirty="0" err="1"/>
+              <a:t>extraction</a:t>
+            </a:r>
+            <a:r>
+              <a:rPr lang="de-DE" dirty="0"/>
+              <a:t> time </a:t>
+            </a:r>
+            <a:r>
+              <a:rPr lang="de-DE" dirty="0" err="1"/>
+              <a:t>by</a:t>
+            </a:r>
+            <a:r>
+              <a:rPr lang="de-DE" dirty="0"/>
+              <a:t> just </a:t>
+            </a:r>
+            <a:r>
+              <a:rPr lang="de-DE" dirty="0" err="1"/>
+              <a:t>computing</a:t>
+            </a:r>
+            <a:r>
+              <a:rPr lang="de-DE" dirty="0"/>
+              <a:t> </a:t>
+            </a:r>
+            <a:r>
+              <a:rPr lang="de-DE" dirty="0" err="1"/>
+              <a:t>necessary</a:t>
+            </a:r>
+            <a:r>
+              <a:rPr lang="de-DE" dirty="0"/>
+              <a:t> </a:t>
+            </a:r>
+            <a:r>
+              <a:rPr lang="de-DE" dirty="0" err="1"/>
+              <a:t>parts</a:t>
+            </a:r>
+            <a:r>
+              <a:rPr lang="de-DE" dirty="0"/>
+              <a:t> and </a:t>
+            </a:r>
+            <a:r>
+              <a:rPr lang="de-DE" dirty="0" err="1"/>
+              <a:t>neglect</a:t>
+            </a:r>
+            <a:r>
+              <a:rPr lang="de-DE" dirty="0"/>
+              <a:t> </a:t>
+            </a:r>
+            <a:r>
+              <a:rPr lang="de-DE" dirty="0" err="1"/>
+              <a:t>everything</a:t>
+            </a:r>
+            <a:r>
+              <a:rPr lang="de-DE" dirty="0"/>
+              <a:t> </a:t>
+            </a:r>
+            <a:r>
+              <a:rPr lang="de-DE" dirty="0" err="1"/>
+              <a:t>else</a:t>
+            </a:r>
+            <a:endParaRPr lang="de-DE" dirty="0"/>
+          </a:p>
+        </p:txBody>
+      </p:sp>
     </p:spTree>
     <p:extLst>
       <p:ext uri="{BB962C8B-B14F-4D97-AF65-F5344CB8AC3E}">
-        <p14:creationId xmlns:p14="http://schemas.microsoft.com/office/powerpoint/2010/main" val="1908476966"/>
+        <p14:creationId xmlns:p14="http://schemas.microsoft.com/office/powerpoint/2010/main" val="4136227235"/>
       </p:ext>
     </p:extLst>
   </p:cSld>
@@ -4819,10 +6282,10 @@
       </p:grpSpPr>
       <p:pic>
         <p:nvPicPr>
-          <p:cNvPr id="3" name="Grafik 2">
+          <p:cNvPr id="4" name="Grafik 3">
             <a:extLst>
               <a:ext uri="{FF2B5EF4-FFF2-40B4-BE49-F238E27FC236}">
-                <a16:creationId xmlns:a16="http://schemas.microsoft.com/office/drawing/2014/main" id="{16FBB6CA-F4F8-C92B-D956-2DF19E3CAECA}"/>
+                <a16:creationId xmlns:a16="http://schemas.microsoft.com/office/drawing/2014/main" id="{4CF22E82-204E-A021-8C86-B9DFFECD1D68}"/>
               </a:ext>
             </a:extLst>
           </p:cNvPr>
@@ -4848,8 +6311,8 @@
         </p:blipFill>
         <p:spPr>
           <a:xfrm>
-            <a:off x="0" y="400149"/>
-            <a:ext cx="12192000" cy="6057701"/>
+            <a:off x="0" y="259202"/>
+            <a:ext cx="12192000" cy="6339596"/>
           </a:xfrm>
           <a:prstGeom prst="rect">
             <a:avLst/>
@@ -4859,7 +6322,7 @@
     </p:spTree>
     <p:extLst>
       <p:ext uri="{BB962C8B-B14F-4D97-AF65-F5344CB8AC3E}">
-        <p14:creationId xmlns:p14="http://schemas.microsoft.com/office/powerpoint/2010/main" val="4194353550"/>
+        <p14:creationId xmlns:p14="http://schemas.microsoft.com/office/powerpoint/2010/main" val="1908476966"/>
       </p:ext>
     </p:extLst>
   </p:cSld>
@@ -4891,6 +6354,75 @@
           <p:cNvPr id="3" name="Grafik 2">
             <a:extLst>
               <a:ext uri="{FF2B5EF4-FFF2-40B4-BE49-F238E27FC236}">
+                <a16:creationId xmlns:a16="http://schemas.microsoft.com/office/drawing/2014/main" id="{16FBB6CA-F4F8-C92B-D956-2DF19E3CAECA}"/>
+              </a:ext>
+            </a:extLst>
+          </p:cNvPr>
+          <p:cNvPicPr>
+            <a:picLocks noChangeAspect="1"/>
+          </p:cNvPicPr>
+          <p:nvPr/>
+        </p:nvPicPr>
+        <p:blipFill>
+          <a:blip r:embed="rId3">
+            <a:extLst>
+              <a:ext uri="{28A0092B-C50C-407E-A947-70E740481C1C}">
+                <a14:useLocalDpi xmlns:a14="http://schemas.microsoft.com/office/drawing/2010/main" val="0"/>
+              </a:ext>
+              <a:ext uri="{96DAC541-7B7A-43D3-8B79-37D633B846F1}">
+                <asvg:svgBlip xmlns:asvg="http://schemas.microsoft.com/office/drawing/2016/SVG/main" r:embed="rId4"/>
+              </a:ext>
+            </a:extLst>
+          </a:blip>
+          <a:stretch>
+            <a:fillRect/>
+          </a:stretch>
+        </p:blipFill>
+        <p:spPr>
+          <a:xfrm>
+            <a:off x="0" y="400149"/>
+            <a:ext cx="12192000" cy="6057701"/>
+          </a:xfrm>
+          <a:prstGeom prst="rect">
+            <a:avLst/>
+          </a:prstGeom>
+        </p:spPr>
+      </p:pic>
+    </p:spTree>
+    <p:extLst>
+      <p:ext uri="{BB962C8B-B14F-4D97-AF65-F5344CB8AC3E}">
+        <p14:creationId xmlns:p14="http://schemas.microsoft.com/office/powerpoint/2010/main" val="4194353550"/>
+      </p:ext>
+    </p:extLst>
+  </p:cSld>
+  <p:clrMapOvr>
+    <a:masterClrMapping/>
+  </p:clrMapOvr>
+</p:sld>
+</file>
+
+<file path=ppt/slides/slide4.xml><?xml version="1.0" encoding="utf-8"?>
+<p:sld xmlns:a="http://schemas.openxmlformats.org/drawingml/2006/main" xmlns:r="http://schemas.openxmlformats.org/officeDocument/2006/relationships" xmlns:p="http://schemas.openxmlformats.org/presentationml/2006/main">
+  <p:cSld>
+    <p:spTree>
+      <p:nvGrpSpPr>
+        <p:cNvPr id="1" name=""/>
+        <p:cNvGrpSpPr/>
+        <p:nvPr/>
+      </p:nvGrpSpPr>
+      <p:grpSpPr>
+        <a:xfrm>
+          <a:off x="0" y="0"/>
+          <a:ext cx="0" cy="0"/>
+          <a:chOff x="0" y="0"/>
+          <a:chExt cx="0" cy="0"/>
+        </a:xfrm>
+      </p:grpSpPr>
+      <p:pic>
+        <p:nvPicPr>
+          <p:cNvPr id="3" name="Grafik 2">
+            <a:extLst>
+              <a:ext uri="{FF2B5EF4-FFF2-40B4-BE49-F238E27FC236}">
                 <a16:creationId xmlns:a16="http://schemas.microsoft.com/office/drawing/2014/main" id="{7D397CFD-D750-75BC-4B91-4E5AC71C5B8F}"/>
               </a:ext>
             </a:extLst>
@@ -4929,6 +6461,144 @@
     <p:extLst>
       <p:ext uri="{BB962C8B-B14F-4D97-AF65-F5344CB8AC3E}">
         <p14:creationId xmlns:p14="http://schemas.microsoft.com/office/powerpoint/2010/main" val="270656840"/>
+      </p:ext>
+    </p:extLst>
+  </p:cSld>
+  <p:clrMapOvr>
+    <a:masterClrMapping/>
+  </p:clrMapOvr>
+</p:sld>
+</file>
+
+<file path=ppt/slides/slide5.xml><?xml version="1.0" encoding="utf-8"?>
+<p:sld xmlns:a="http://schemas.openxmlformats.org/drawingml/2006/main" xmlns:r="http://schemas.openxmlformats.org/officeDocument/2006/relationships" xmlns:p="http://schemas.openxmlformats.org/presentationml/2006/main">
+  <p:cSld>
+    <p:spTree>
+      <p:nvGrpSpPr>
+        <p:cNvPr id="1" name=""/>
+        <p:cNvGrpSpPr/>
+        <p:nvPr/>
+      </p:nvGrpSpPr>
+      <p:grpSpPr>
+        <a:xfrm>
+          <a:off x="0" y="0"/>
+          <a:ext cx="0" cy="0"/>
+          <a:chOff x="0" y="0"/>
+          <a:chExt cx="0" cy="0"/>
+        </a:xfrm>
+      </p:grpSpPr>
+      <p:pic>
+        <p:nvPicPr>
+          <p:cNvPr id="3" name="Grafik 2">
+            <a:extLst>
+              <a:ext uri="{FF2B5EF4-FFF2-40B4-BE49-F238E27FC236}">
+                <a16:creationId xmlns:a16="http://schemas.microsoft.com/office/drawing/2014/main" id="{B9F4C280-2D2B-95D4-8ED5-BB9BBBD0E59F}"/>
+              </a:ext>
+            </a:extLst>
+          </p:cNvPr>
+          <p:cNvPicPr>
+            <a:picLocks noChangeAspect="1"/>
+          </p:cNvPicPr>
+          <p:nvPr/>
+        </p:nvPicPr>
+        <p:blipFill>
+          <a:blip r:embed="rId3">
+            <a:extLst>
+              <a:ext uri="{28A0092B-C50C-407E-A947-70E740481C1C}">
+                <a14:useLocalDpi xmlns:a14="http://schemas.microsoft.com/office/drawing/2010/main" val="0"/>
+              </a:ext>
+              <a:ext uri="{96DAC541-7B7A-43D3-8B79-37D633B846F1}">
+                <asvg:svgBlip xmlns:asvg="http://schemas.microsoft.com/office/drawing/2016/SVG/main" r:embed="rId4"/>
+              </a:ext>
+            </a:extLst>
+          </a:blip>
+          <a:stretch>
+            <a:fillRect/>
+          </a:stretch>
+        </p:blipFill>
+        <p:spPr>
+          <a:xfrm>
+            <a:off x="0" y="400149"/>
+            <a:ext cx="12192000" cy="6057701"/>
+          </a:xfrm>
+          <a:prstGeom prst="rect">
+            <a:avLst/>
+          </a:prstGeom>
+        </p:spPr>
+      </p:pic>
+    </p:spTree>
+    <p:extLst>
+      <p:ext uri="{BB962C8B-B14F-4D97-AF65-F5344CB8AC3E}">
+        <p14:creationId xmlns:p14="http://schemas.microsoft.com/office/powerpoint/2010/main" val="4015560236"/>
+      </p:ext>
+    </p:extLst>
+  </p:cSld>
+  <p:clrMapOvr>
+    <a:masterClrMapping/>
+  </p:clrMapOvr>
+</p:sld>
+</file>
+
+<file path=ppt/slides/slide6.xml><?xml version="1.0" encoding="utf-8"?>
+<p:sld xmlns:a="http://schemas.openxmlformats.org/drawingml/2006/main" xmlns:r="http://schemas.openxmlformats.org/officeDocument/2006/relationships" xmlns:p="http://schemas.openxmlformats.org/presentationml/2006/main">
+  <p:cSld>
+    <p:spTree>
+      <p:nvGrpSpPr>
+        <p:cNvPr id="1" name=""/>
+        <p:cNvGrpSpPr/>
+        <p:nvPr/>
+      </p:nvGrpSpPr>
+      <p:grpSpPr>
+        <a:xfrm>
+          <a:off x="0" y="0"/>
+          <a:ext cx="0" cy="0"/>
+          <a:chOff x="0" y="0"/>
+          <a:chExt cx="0" cy="0"/>
+        </a:xfrm>
+      </p:grpSpPr>
+      <p:pic>
+        <p:nvPicPr>
+          <p:cNvPr id="3" name="Grafik 2">
+            <a:extLst>
+              <a:ext uri="{FF2B5EF4-FFF2-40B4-BE49-F238E27FC236}">
+                <a16:creationId xmlns:a16="http://schemas.microsoft.com/office/drawing/2014/main" id="{E353883E-CA1D-E2F9-E373-0FE41264565A}"/>
+              </a:ext>
+            </a:extLst>
+          </p:cNvPr>
+          <p:cNvPicPr>
+            <a:picLocks noChangeAspect="1"/>
+          </p:cNvPicPr>
+          <p:nvPr/>
+        </p:nvPicPr>
+        <p:blipFill>
+          <a:blip r:embed="rId2">
+            <a:extLst>
+              <a:ext uri="{28A0092B-C50C-407E-A947-70E740481C1C}">
+                <a14:useLocalDpi xmlns:a14="http://schemas.microsoft.com/office/drawing/2010/main" val="0"/>
+              </a:ext>
+              <a:ext uri="{96DAC541-7B7A-43D3-8B79-37D633B846F1}">
+                <asvg:svgBlip xmlns:asvg="http://schemas.microsoft.com/office/drawing/2016/SVG/main" r:embed="rId3"/>
+              </a:ext>
+            </a:extLst>
+          </a:blip>
+          <a:stretch>
+            <a:fillRect/>
+          </a:stretch>
+        </p:blipFill>
+        <p:spPr>
+          <a:xfrm>
+            <a:off x="0" y="400149"/>
+            <a:ext cx="12192000" cy="6057701"/>
+          </a:xfrm>
+          <a:prstGeom prst="rect">
+            <a:avLst/>
+          </a:prstGeom>
+        </p:spPr>
+      </p:pic>
+    </p:spTree>
+    <p:extLst>
+      <p:ext uri="{BB962C8B-B14F-4D97-AF65-F5344CB8AC3E}">
+        <p14:creationId xmlns:p14="http://schemas.microsoft.com/office/powerpoint/2010/main" val="1078405431"/>
       </p:ext>
     </p:extLst>
   </p:cSld>
@@ -5529,12 +7199,9 @@
 </file>
 
 <file path=customXml/item1.xml><?xml version="1.0" encoding="utf-8"?>
-<?mso-contentType ?>
-<FormTemplates xmlns="http://schemas.microsoft.com/sharepoint/v3/contenttype/forms">
-  <Display>DocumentLibraryForm</Display>
-  <Edit>DocumentLibraryForm</Edit>
-  <New>DocumentLibraryForm</New>
-</FormTemplates>
+<p:properties xmlns:p="http://schemas.microsoft.com/office/2006/metadata/properties" xmlns:xsi="http://www.w3.org/2001/XMLSchema-instance" xmlns:pc="http://schemas.microsoft.com/office/infopath/2007/PartnerControls">
+  <documentManagement/>
+</p:properties>
 </file>
 
 <file path=customXml/item2.xml><?xml version="1.0" encoding="utf-8"?>
@@ -5709,15 +7376,27 @@
 </file>
 
 <file path=customXml/item3.xml><?xml version="1.0" encoding="utf-8"?>
-<p:properties xmlns:p="http://schemas.microsoft.com/office/2006/metadata/properties" xmlns:xsi="http://www.w3.org/2001/XMLSchema-instance" xmlns:pc="http://schemas.microsoft.com/office/infopath/2007/PartnerControls">
-  <documentManagement/>
-</p:properties>
+<?mso-contentType ?>
+<FormTemplates xmlns="http://schemas.microsoft.com/sharepoint/v3/contenttype/forms">
+  <Display>DocumentLibraryForm</Display>
+  <Edit>DocumentLibraryForm</Edit>
+  <New>DocumentLibraryForm</New>
+</FormTemplates>
 </file>
 
 <file path=customXml/itemProps1.xml><?xml version="1.0" encoding="utf-8"?>
-<ds:datastoreItem xmlns:ds="http://schemas.openxmlformats.org/officeDocument/2006/customXml" ds:itemID="{DEF5702E-4D3C-4035-8B90-A6D3B0FD73E2}">
+<ds:datastoreItem xmlns:ds="http://schemas.openxmlformats.org/officeDocument/2006/customXml" ds:itemID="{6B2FDABF-1ED7-4F59-8CD7-685D8006255C}">
   <ds:schemaRefs>
-    <ds:schemaRef ds:uri="http://schemas.microsoft.com/sharepoint/v3/contenttype/forms"/>
+    <ds:schemaRef ds:uri="http://purl.org/dc/elements/1.1/"/>
+    <ds:schemaRef ds:uri="6da136e7-36d1-4f69-9759-5acb084bd5de"/>
+    <ds:schemaRef ds:uri="http://schemas.microsoft.com/office/2006/documentManagement/types"/>
+    <ds:schemaRef ds:uri="http://schemas.microsoft.com/office/infopath/2007/PartnerControls"/>
+    <ds:schemaRef ds:uri="http://purl.org/dc/dcmitype/"/>
+    <ds:schemaRef ds:uri="http://schemas.openxmlformats.org/package/2006/metadata/core-properties"/>
+    <ds:schemaRef ds:uri="http://schemas.microsoft.com/office/2006/metadata/properties"/>
+    <ds:schemaRef ds:uri="8ae538a5-c936-4024-b2c5-c7a6693169a9"/>
+    <ds:schemaRef ds:uri="http://www.w3.org/XML/1998/namespace"/>
+    <ds:schemaRef ds:uri="http://purl.org/dc/terms/"/>
   </ds:schemaRefs>
 </ds:datastoreItem>
 </file>
@@ -5742,18 +7421,9 @@
 </file>
 
 <file path=customXml/itemProps3.xml><?xml version="1.0" encoding="utf-8"?>
-<ds:datastoreItem xmlns:ds="http://schemas.openxmlformats.org/officeDocument/2006/customXml" ds:itemID="{6B2FDABF-1ED7-4F59-8CD7-685D8006255C}">
+<ds:datastoreItem xmlns:ds="http://schemas.openxmlformats.org/officeDocument/2006/customXml" ds:itemID="{DEF5702E-4D3C-4035-8B90-A6D3B0FD73E2}">
   <ds:schemaRefs>
-    <ds:schemaRef ds:uri="http://purl.org/dc/elements/1.1/"/>
-    <ds:schemaRef ds:uri="6da136e7-36d1-4f69-9759-5acb084bd5de"/>
-    <ds:schemaRef ds:uri="http://schemas.microsoft.com/office/2006/documentManagement/types"/>
-    <ds:schemaRef ds:uri="http://schemas.microsoft.com/office/infopath/2007/PartnerControls"/>
-    <ds:schemaRef ds:uri="http://purl.org/dc/dcmitype/"/>
-    <ds:schemaRef ds:uri="http://schemas.openxmlformats.org/package/2006/metadata/core-properties"/>
-    <ds:schemaRef ds:uri="http://schemas.microsoft.com/office/2006/metadata/properties"/>
-    <ds:schemaRef ds:uri="8ae538a5-c936-4024-b2c5-c7a6693169a9"/>
-    <ds:schemaRef ds:uri="http://www.w3.org/XML/1998/namespace"/>
-    <ds:schemaRef ds:uri="http://purl.org/dc/terms/"/>
+    <ds:schemaRef ds:uri="http://schemas.microsoft.com/sharepoint/v3/contenttype/forms"/>
   </ds:schemaRefs>
 </ds:datastoreItem>
 </file>